--- a/Create-a-thon pitch deck template (1).pptx
+++ b/Create-a-thon pitch deck template (1).pptx
@@ -6717,10 +6717,10 @@
               <a:buNone/>
             </a:pPr>
             <a:r>
-              <a:rPr lang="" altLang="en-GB"/>
+              <a:rPr lang="en-US" altLang="en-GB"/>
               <a:t>CODE GEAS 3008</a:t>
             </a:r>
-            <a:endParaRPr lang="" altLang="en-GB"/>
+            <a:endParaRPr lang="en-US" altLang="en-GB"/>
           </a:p>
         </p:txBody>
       </p:sp>
@@ -6757,10 +6757,10 @@
               <a:buNone/>
             </a:pPr>
             <a:r>
-              <a:rPr lang="" sz="1800"/>
+              <a:rPr lang="en-US" sz="1800"/>
               <a:t>If you are present you can never be absent</a:t>
             </a:r>
-            <a:endParaRPr lang="" sz="1800"/>
+            <a:endParaRPr lang="en-US" sz="1800"/>
           </a:p>
         </p:txBody>
       </p:sp>
@@ -6898,10 +6898,10 @@
           <a:bodyPr/>
           <a:p>
             <a:r>
-              <a:rPr lang="" altLang="en-US"/>
+              <a:rPr lang="en-US" altLang="en-US"/>
               <a:t>To identify the faces in video,crop it, train it and identify in different videos.</a:t>
             </a:r>
-            <a:endParaRPr lang="" altLang="en-US"/>
+            <a:endParaRPr lang="en-US" altLang="en-US"/>
           </a:p>
         </p:txBody>
       </p:sp>
@@ -7116,17 +7116,12 @@
               </a:rPr>
               <a:t>The task here is to analyze a 30 second- 1 min video, and capture faces of the people</a:t>
             </a:r>
-            <a:endParaRPr lang="en-IN" b="0" strike="noStrike" spc="-1">
-              <a:latin typeface="Arial" panose="020B0604020202020204"/>
-            </a:endParaRPr>
-          </a:p>
-          <a:p>
             <a:r>
-              <a:rPr lang="en-IN" spc="-1">
+              <a:rPr lang="" altLang="en-IN" spc="-1">
                 <a:latin typeface="Arial" panose="020B0604020202020204"/>
                 <a:sym typeface="+mn-ea"/>
               </a:rPr>
-              <a:t>in the same, and then analyze another video to see how many of the persons in the</a:t>
+              <a:t>.</a:t>
             </a:r>
             <a:endParaRPr lang="en-IN" b="0" strike="noStrike" spc="-1">
               <a:latin typeface="Arial" panose="020B0604020202020204"/>
@@ -7134,11 +7129,32 @@
           </a:p>
           <a:p>
             <a:r>
+              <a:rPr lang="" altLang="en-IN" spc="-1">
+                <a:latin typeface="Arial" panose="020B0604020202020204"/>
+                <a:sym typeface="+mn-ea"/>
+              </a:rPr>
+              <a:t>I</a:t>
+            </a:r>
+            <a:r>
               <a:rPr lang="en-IN" spc="-1">
                 <a:latin typeface="Arial" panose="020B0604020202020204"/>
                 <a:sym typeface="+mn-ea"/>
               </a:rPr>
-              <a:t>first video are seen again in the second video and at what times.</a:t>
+              <a:t>n the same, and then analyze another video to see how many of the persons in the </a:t>
+            </a:r>
+            <a:r>
+              <a:rPr lang="" altLang="en-IN" spc="-1">
+                <a:latin typeface="Arial" panose="020B0604020202020204"/>
+                <a:sym typeface="+mn-ea"/>
+              </a:rPr>
+              <a:t>f</a:t>
+            </a:r>
+            <a:r>
+              <a:rPr lang="en-IN" spc="-1">
+                <a:latin typeface="Arial" panose="020B0604020202020204"/>
+                <a:sym typeface="+mn-ea"/>
+              </a:rPr>
+              <a:t>irst video are seen again in the second video and at what times.</a:t>
             </a:r>
             <a:endParaRPr lang="en-IN" b="0" strike="noStrike" spc="-1">
               <a:latin typeface="Arial" panose="020B0604020202020204"/>
@@ -7157,24 +7173,44 @@
             </a:endParaRPr>
           </a:p>
           <a:p>
+            <a:pPr marL="114300" indent="0">
+              <a:buNone/>
+            </a:pPr>
             <a:r>
               <a:rPr lang="en-IN" spc="-1">
                 <a:latin typeface="Arial" panose="020B0604020202020204"/>
                 <a:sym typeface="+mn-ea"/>
               </a:rPr>
-              <a:t>hundreds of intelligence sources, with cross-checks across all videos, really</a:t>
+              <a:t>     hundreds of intelligence sources, with cross-checks across all videos, really</a:t>
             </a:r>
             <a:endParaRPr lang="en-IN" b="0" strike="noStrike" spc="-1">
               <a:latin typeface="Arial" panose="020B0604020202020204"/>
             </a:endParaRPr>
           </a:p>
           <a:p>
+            <a:pPr marL="114300" indent="0">
+              <a:buNone/>
+            </a:pPr>
             <a:r>
               <a:rPr lang="en-IN" spc="-1">
                 <a:latin typeface="Arial" panose="020B0604020202020204"/>
                 <a:sym typeface="+mn-ea"/>
               </a:rPr>
-              <a:t>significant information on patterns in any form of organized crime can be identified.</a:t>
+              <a:t>     significant information on patterns in any form of organized crime can be    </a:t>
+            </a:r>
+            <a:r>
+              <a:rPr lang="" altLang="en-IN" spc="-1">
+                <a:latin typeface="Arial" panose="020B0604020202020204"/>
+                <a:sym typeface="+mn-ea"/>
+              </a:rPr>
+              <a:t>	</a:t>
+            </a:r>
+            <a:r>
+              <a:rPr lang="en-IN" spc="-1">
+                <a:latin typeface="Arial" panose="020B0604020202020204"/>
+                <a:sym typeface="+mn-ea"/>
+              </a:rPr>
+              <a:t>identified.</a:t>
             </a:r>
             <a:endParaRPr lang="en-US"/>
           </a:p>
@@ -7326,6 +7362,29 @@
               </a:rPr>
               <a:t>2) Then Crop the faces and store the faces in a different folder.</a:t>
             </a:r>
+            <a:endParaRPr lang="en-US" altLang="en-GB">
+              <a:sym typeface="+mn-ea"/>
+            </a:endParaRPr>
+          </a:p>
+          <a:p>
+            <a:pPr marL="0" lvl="0" indent="0" algn="l" rtl="0">
+              <a:spcBef>
+                <a:spcPts val="1600"/>
+              </a:spcBef>
+              <a:spcAft>
+                <a:spcPts val="1600"/>
+              </a:spcAft>
+              <a:buNone/>
+            </a:pPr>
+            <a:r>
+              <a:rPr lang="" altLang="en-US">
+                <a:sym typeface="+mn-ea"/>
+              </a:rPr>
+              <a:t>3) Detected faces are trained and ready to go for another video.</a:t>
+            </a:r>
+            <a:endParaRPr lang="" altLang="en-US">
+              <a:sym typeface="+mn-ea"/>
+            </a:endParaRPr>
           </a:p>
         </p:txBody>
       </p:sp>
@@ -7498,10 +7557,42 @@
               <a:buNone/>
             </a:pPr>
             <a:r>
-              <a:rPr lang=""/>
+              <a:rPr lang="en-US"/>
               <a:t>Without using the default harcasscade classifier identify the face and crop the face and print at what time face was coming.</a:t>
             </a:r>
-            <a:endParaRPr lang=""/>
+            <a:endParaRPr lang="en-US"/>
+          </a:p>
+          <a:p>
+            <a:pPr marL="0" lvl="0" indent="0" algn="l" rtl="0">
+              <a:spcBef>
+                <a:spcPts val="0"/>
+              </a:spcBef>
+              <a:spcAft>
+                <a:spcPts val="1600"/>
+              </a:spcAft>
+              <a:buNone/>
+            </a:pPr>
+            <a:r>
+              <a:rPr lang="" altLang="en-US"/>
+              <a:t>We provide multiple functions to our user to check camera is working and all the things is properly done.</a:t>
+            </a:r>
+            <a:endParaRPr lang="" altLang="en-US"/>
+          </a:p>
+          <a:p>
+            <a:pPr marL="0" lvl="0" indent="0" algn="l" rtl="0">
+              <a:spcBef>
+                <a:spcPts val="0"/>
+              </a:spcBef>
+              <a:spcAft>
+                <a:spcPts val="1600"/>
+              </a:spcAft>
+              <a:buNone/>
+            </a:pPr>
+            <a:r>
+              <a:rPr lang="" altLang="en-US"/>
+              <a:t>Additional folder for some additional optimal code.</a:t>
+            </a:r>
+            <a:endParaRPr lang="" altLang="en-US"/>
           </a:p>
         </p:txBody>
       </p:sp>
@@ -7674,10 +7765,14 @@
               <a:buNone/>
             </a:pPr>
             <a:r>
-              <a:rPr lang=""/>
-              <a:t>We can identify the faces which are not clear by using digital image processing and identify the faces more efficiently.</a:t>
+              <a:rPr lang="en-US"/>
+              <a:t>We can identify the faces which are not clear by using </a:t>
             </a:r>
-            <a:endParaRPr lang=""/>
+            <a:r>
+              <a:rPr lang="" altLang="en-US"/>
+              <a:t>a good quality video and disperse the video like criminal analysis data usinf different harcasscade frontal , left-side,right-side video.</a:t>
+            </a:r>
+            <a:endParaRPr lang="" altLang="en-US"/>
           </a:p>
         </p:txBody>
       </p:sp>
